--- a/testing/wot-test-plan-tpac-10-2018.pptx
+++ b/testing/wot-test-plan-tpac-10-2018.pptx
@@ -5,7 +5,7 @@
     <p:sldMasterId id="2147483648" r:id="rId1"/>
   </p:sldMasterIdLst>
   <p:notesMasterIdLst>
-    <p:notesMasterId r:id="rId11"/>
+    <p:notesMasterId r:id="rId12"/>
   </p:notesMasterIdLst>
   <p:sldIdLst>
     <p:sldId id="256" r:id="rId2"/>
@@ -16,12 +16,13 @@
     <p:sldId id="267" r:id="rId7"/>
     <p:sldId id="268" r:id="rId8"/>
     <p:sldId id="269" r:id="rId9"/>
-    <p:sldId id="270" r:id="rId10"/>
+    <p:sldId id="271" r:id="rId10"/>
+    <p:sldId id="272" r:id="rId11"/>
   </p:sldIdLst>
   <p:sldSz cx="12198350" cy="6858000"/>
   <p:notesSz cx="6858000" cy="9144000"/>
   <p:custDataLst>
-    <p:tags r:id="rId12"/>
+    <p:tags r:id="rId13"/>
   </p:custDataLst>
   <p:defaultTextStyle>
     <a:defPPr>
@@ -3707,6 +3708,156 @@
 </p:sld>
 </file>
 
+<file path=ppt/slides/slide10.xml><?xml version="1.0" encoding="utf-8"?>
+<p:sld xmlns:a="http://schemas.openxmlformats.org/drawingml/2006/main" xmlns:r="http://schemas.openxmlformats.org/officeDocument/2006/relationships" xmlns:p="http://schemas.openxmlformats.org/presentationml/2006/main">
+  <p:cSld>
+    <p:spTree>
+      <p:nvGrpSpPr>
+        <p:cNvPr id="1" name=""/>
+        <p:cNvGrpSpPr/>
+        <p:nvPr/>
+      </p:nvGrpSpPr>
+      <p:grpSpPr>
+        <a:xfrm>
+          <a:off x="0" y="0"/>
+          <a:ext cx="0" cy="0"/>
+          <a:chOff x="0" y="0"/>
+          <a:chExt cx="0" cy="0"/>
+        </a:xfrm>
+      </p:grpSpPr>
+      <p:sp>
+        <p:nvSpPr>
+          <p:cNvPr id="2" name="Title 1"/>
+          <p:cNvSpPr>
+            <a:spLocks noGrp="1"/>
+          </p:cNvSpPr>
+          <p:nvPr>
+            <p:ph type="title"/>
+          </p:nvPr>
+        </p:nvSpPr>
+        <p:spPr/>
+        <p:txBody>
+          <a:bodyPr/>
+          <a:lstStyle/>
+          <a:p>
+            <a:r>
+              <a:rPr lang="en-US" dirty="0" smtClean="0"/>
+              <a:t>To Do</a:t>
+            </a:r>
+            <a:endParaRPr lang="en-US" dirty="0"/>
+          </a:p>
+        </p:txBody>
+      </p:sp>
+      <p:sp>
+        <p:nvSpPr>
+          <p:cNvPr id="3" name="Content Placeholder 2"/>
+          <p:cNvSpPr>
+            <a:spLocks noGrp="1"/>
+          </p:cNvSpPr>
+          <p:nvPr>
+            <p:ph idx="1"/>
+          </p:nvPr>
+        </p:nvSpPr>
+        <p:spPr>
+          <a:xfrm>
+            <a:off x="609918" y="1196753"/>
+            <a:ext cx="10978515" cy="4929412"/>
+          </a:xfrm>
+        </p:spPr>
+        <p:txBody>
+          <a:bodyPr/>
+          <a:lstStyle/>
+          <a:p>
+            <a:r>
+              <a:rPr lang="en-US" dirty="0" smtClean="0"/>
+              <a:t>Complete test plan: for CR Start</a:t>
+            </a:r>
+          </a:p>
+          <a:p>
+            <a:pPr lvl="1"/>
+            <a:r>
+              <a:rPr lang="en-US" dirty="0" smtClean="0"/>
+              <a:t>Assertion inventory</a:t>
+            </a:r>
+          </a:p>
+          <a:p>
+            <a:pPr lvl="2"/>
+            <a:r>
+              <a:rPr lang="en-US" b="1" dirty="0" smtClean="0"/>
+              <a:t>Hard to add assertions post-CR, so we need to ensure assertions are "complete"</a:t>
+            </a:r>
+          </a:p>
+          <a:p>
+            <a:pPr lvl="1"/>
+            <a:r>
+              <a:rPr lang="en-US" dirty="0" smtClean="0"/>
+              <a:t>Tooling needed to test each assertion</a:t>
+            </a:r>
+          </a:p>
+          <a:p>
+            <a:pPr lvl="1"/>
+            <a:r>
+              <a:rPr lang="en-US" dirty="0" smtClean="0"/>
+              <a:t>Partial tests in each category (to test tooling)</a:t>
+            </a:r>
+          </a:p>
+          <a:p>
+            <a:r>
+              <a:rPr lang="en-US" dirty="0" smtClean="0"/>
+              <a:t>Complete test coverages: for CR Exit/PR Start</a:t>
+            </a:r>
+          </a:p>
+          <a:p>
+            <a:pPr lvl="1"/>
+            <a:r>
+              <a:rPr lang="en-US" dirty="0" smtClean="0"/>
+              <a:t>Tests for each assertion</a:t>
+            </a:r>
+          </a:p>
+          <a:p>
+            <a:pPr lvl="1"/>
+            <a:r>
+              <a:rPr lang="en-US" dirty="0" smtClean="0"/>
+              <a:t>May be multiple tests for complex assertions</a:t>
+            </a:r>
+          </a:p>
+          <a:p>
+            <a:pPr lvl="1"/>
+            <a:r>
+              <a:rPr lang="en-US" dirty="0" smtClean="0"/>
+              <a:t>Examples and counter-examples for each test</a:t>
+            </a:r>
+          </a:p>
+          <a:p>
+            <a:pPr lvl="1"/>
+            <a:r>
+              <a:rPr lang="en-US" dirty="0" smtClean="0"/>
+              <a:t>Multiple implementations for point features</a:t>
+            </a:r>
+          </a:p>
+          <a:p>
+            <a:pPr lvl="1"/>
+            <a:r>
+              <a:rPr lang="en-US" dirty="0" smtClean="0"/>
+              <a:t>Multiple pairs for interoperation tests</a:t>
+            </a:r>
+            <a:endParaRPr lang="en-US" dirty="0"/>
+          </a:p>
+        </p:txBody>
+      </p:sp>
+    </p:spTree>
+    <p:extLst>
+      <p:ext uri="{BB962C8B-B14F-4D97-AF65-F5344CB8AC3E}">
+        <p14:creationId xmlns:p14="http://schemas.microsoft.com/office/powerpoint/2010/main" val="2671474367"/>
+      </p:ext>
+    </p:extLst>
+  </p:cSld>
+  <p:clrMapOvr>
+    <a:masterClrMapping/>
+  </p:clrMapOvr>
+</p:sld>
+</file>
+
 <file path=ppt/slides/slide2.xml><?xml version="1.0" encoding="utf-8"?>
 <p:sld xmlns:a="http://schemas.openxmlformats.org/drawingml/2006/main" xmlns:r="http://schemas.openxmlformats.org/officeDocument/2006/relationships" xmlns:p="http://schemas.openxmlformats.org/presentationml/2006/main">
   <p:cSld>
@@ -4120,7 +4271,15 @@
             <a:pPr lvl="1"/>
             <a:r>
               <a:rPr lang="en-US" dirty="0" smtClean="0"/>
-              <a:t>Including functional security testing</a:t>
+              <a:t>Including </a:t>
+            </a:r>
+            <a:r>
+              <a:rPr lang="en-US" i="1" dirty="0" smtClean="0"/>
+              <a:t>functional</a:t>
+            </a:r>
+            <a:r>
+              <a:rPr lang="en-US" dirty="0" smtClean="0"/>
+              <a:t> security testing</a:t>
             </a:r>
           </a:p>
           <a:p>
@@ -4147,7 +4306,7 @@
           <a:p>
             <a:r>
               <a:rPr lang="en-US" b="1" dirty="0" smtClean="0"/>
-              <a:t>Adversarial Security Testing (required by charter)</a:t>
+              <a:t>Adversarial Security Testing (required by charter…)</a:t>
             </a:r>
           </a:p>
           <a:p>
@@ -5331,13 +5490,13 @@
           <a:p>
             <a:r>
               <a:rPr lang="en-US" dirty="0" smtClean="0"/>
-              <a:t>JSON Schema</a:t>
-            </a:r>
-          </a:p>
-          <a:p>
-            <a:r>
-              <a:rPr lang="en-US" dirty="0" smtClean="0"/>
-              <a:t>JSON-LD Parser</a:t>
+              <a:t>JSON Schema Validator</a:t>
+            </a:r>
+          </a:p>
+          <a:p>
+            <a:r>
+              <a:rPr lang="en-US" dirty="0" smtClean="0"/>
+              <a:t>JSON-LD(1.1) Validator</a:t>
             </a:r>
           </a:p>
           <a:p>
@@ -5349,7 +5508,7 @@
           <a:p>
             <a:r>
               <a:rPr lang="en-US" dirty="0" smtClean="0"/>
-              <a:t>SHEX</a:t>
+              <a:t>SHEX - Also able to test sub-schemas for included vocabularies</a:t>
             </a:r>
           </a:p>
           <a:p>
@@ -5448,7 +5607,7 @@
           <a:p>
             <a:r>
               <a:rPr lang="en-US" dirty="0" smtClean="0"/>
-              <a:t>To Do</a:t>
+              <a:t>Gaps and Issues</a:t>
             </a:r>
             <a:endParaRPr lang="en-US" dirty="0"/>
           </a:p>
@@ -5464,19 +5623,112 @@
             <p:ph idx="1"/>
           </p:nvPr>
         </p:nvSpPr>
-        <p:spPr/>
+        <p:spPr>
+          <a:xfrm>
+            <a:off x="609917" y="1166018"/>
+            <a:ext cx="10978515" cy="4525963"/>
+          </a:xfrm>
+        </p:spPr>
         <p:txBody>
           <a:bodyPr/>
           <a:lstStyle/>
           <a:p>
-            <a:endParaRPr lang="en-US"/>
+            <a:r>
+              <a:rPr lang="en-US" dirty="0" smtClean="0"/>
+              <a:t>No convenient tools for </a:t>
+            </a:r>
+            <a:r>
+              <a:rPr lang="en-US" dirty="0" err="1" smtClean="0"/>
+              <a:t>CoAP</a:t>
+            </a:r>
+            <a:r>
+              <a:rPr lang="en-US" dirty="0" smtClean="0"/>
+              <a:t> adversarial security testing</a:t>
+            </a:r>
+          </a:p>
+          <a:p>
+            <a:r>
+              <a:rPr lang="en-US" dirty="0"/>
+              <a:t>No convenient tools for </a:t>
+            </a:r>
+            <a:r>
+              <a:rPr lang="en-US" dirty="0" smtClean="0"/>
+              <a:t>MQTT </a:t>
+            </a:r>
+            <a:r>
+              <a:rPr lang="en-US" dirty="0"/>
+              <a:t>adversarial security </a:t>
+            </a:r>
+            <a:r>
+              <a:rPr lang="en-US" dirty="0" smtClean="0"/>
+              <a:t>testing</a:t>
+            </a:r>
+          </a:p>
+          <a:p>
+            <a:pPr lvl="1"/>
+            <a:r>
+              <a:rPr lang="en-US" dirty="0" smtClean="0"/>
+              <a:t>We can, however, do fuzz testing of these</a:t>
+            </a:r>
+          </a:p>
+          <a:p>
+            <a:r>
+              <a:rPr lang="en-US" dirty="0" smtClean="0"/>
+              <a:t>"Mass" Assertions</a:t>
+            </a:r>
+          </a:p>
+          <a:p>
+            <a:pPr lvl="1"/>
+            <a:r>
+              <a:rPr lang="en-US" dirty="0" smtClean="0"/>
+              <a:t>There are several assertions that are very broad and depend on information in tables, etc.</a:t>
+            </a:r>
+          </a:p>
+          <a:p>
+            <a:pPr lvl="1"/>
+            <a:r>
+              <a:rPr lang="en-US" dirty="0" smtClean="0"/>
+              <a:t>Will require many tests and/or tools (e.g. Schema validators)</a:t>
+            </a:r>
+          </a:p>
+          <a:p>
+            <a:r>
+              <a:rPr lang="en-US" dirty="0" smtClean="0"/>
+              <a:t>How to test "expressiveness"?</a:t>
+            </a:r>
+          </a:p>
+          <a:p>
+            <a:pPr lvl="1"/>
+            <a:r>
+              <a:rPr lang="en-US" dirty="0" smtClean="0"/>
+              <a:t>"Works with existing ecosystems" - not necessarily all features, but the "important" ones, and ones used in practice, and of business value.</a:t>
+            </a:r>
+          </a:p>
+          <a:p>
+            <a:pPr lvl="1"/>
+            <a:r>
+              <a:rPr lang="en-US" dirty="0" err="1" smtClean="0"/>
+              <a:t>Eg</a:t>
+            </a:r>
+            <a:r>
+              <a:rPr lang="en-US" dirty="0" smtClean="0"/>
+              <a:t> REST APIs.   What are good (aka "convincing") test targets </a:t>
+            </a:r>
+            <a:r>
+              <a:rPr lang="en-US" smtClean="0"/>
+              <a:t>or examples?</a:t>
+            </a:r>
+            <a:endParaRPr lang="en-US" dirty="0"/>
+          </a:p>
+          <a:p>
+            <a:endParaRPr lang="en-US" dirty="0"/>
           </a:p>
         </p:txBody>
       </p:sp>
     </p:spTree>
     <p:extLst>
       <p:ext uri="{BB962C8B-B14F-4D97-AF65-F5344CB8AC3E}">
-        <p14:creationId xmlns:p14="http://schemas.microsoft.com/office/powerpoint/2010/main" val="2775709821"/>
+        <p14:creationId xmlns:p14="http://schemas.microsoft.com/office/powerpoint/2010/main" val="3741077046"/>
       </p:ext>
     </p:extLst>
   </p:cSld>
